--- a/Presentation and Analysis/US Housing Market Analysis_Draft_1-18-2020.pptx
+++ b/Presentation and Analysis/US Housing Market Analysis_Draft_1-18-2020.pptx
@@ -12403,42 +12403,6 @@
           </a:p>
         </p:txBody>
       </p:sp>
-      <p:pic>
-        <p:nvPicPr>
-          <p:cNvPr id="8" name="Picture 7" descr="A close up of a map&#10;&#10;Description automatically generated">
-            <a:extLst>
-              <a:ext uri="{FF2B5EF4-FFF2-40B4-BE49-F238E27FC236}">
-                <a16:creationId xmlns:a16="http://schemas.microsoft.com/office/drawing/2014/main" id="{E56DCCFA-42D8-48AA-9D6B-46E36FC7979A}"/>
-              </a:ext>
-            </a:extLst>
-          </p:cNvPr>
-          <p:cNvPicPr>
-            <a:picLocks noChangeAspect="1"/>
-          </p:cNvPicPr>
-          <p:nvPr/>
-        </p:nvPicPr>
-        <p:blipFill>
-          <a:blip r:embed="rId3">
-            <a:extLst>
-              <a:ext uri="{28A0092B-C50C-407E-A947-70E740481C1C}">
-                <a14:useLocalDpi xmlns:a14="http://schemas.microsoft.com/office/drawing/2010/main" val="0"/>
-              </a:ext>
-            </a:extLst>
-          </a:blip>
-          <a:stretch>
-            <a:fillRect/>
-          </a:stretch>
-        </p:blipFill>
-        <p:spPr>
-          <a:xfrm>
-            <a:off x="1435100" y="2348658"/>
-            <a:ext cx="6616700" cy="4411133"/>
-          </a:xfrm>
-          <a:prstGeom prst="rect">
-            <a:avLst/>
-          </a:prstGeom>
-        </p:spPr>
-      </p:pic>
       <p:sp>
         <p:nvSpPr>
           <p:cNvPr id="11" name="Rectangle 10">
@@ -12497,6 +12461,42 @@
           </a:p>
         </p:txBody>
       </p:sp>
+      <p:pic>
+        <p:nvPicPr>
+          <p:cNvPr id="5" name="Picture 4" descr="A close up of a map&#10;&#10;Description automatically generated">
+            <a:extLst>
+              <a:ext uri="{FF2B5EF4-FFF2-40B4-BE49-F238E27FC236}">
+                <a16:creationId xmlns:a16="http://schemas.microsoft.com/office/drawing/2014/main" id="{C89554F3-6CC6-4E49-AE42-1FFE2AAB71BE}"/>
+              </a:ext>
+            </a:extLst>
+          </p:cNvPr>
+          <p:cNvPicPr>
+            <a:picLocks noChangeAspect="1"/>
+          </p:cNvPicPr>
+          <p:nvPr/>
+        </p:nvPicPr>
+        <p:blipFill>
+          <a:blip r:embed="rId3">
+            <a:extLst>
+              <a:ext uri="{28A0092B-C50C-407E-A947-70E740481C1C}">
+                <a14:useLocalDpi xmlns:a14="http://schemas.microsoft.com/office/drawing/2010/main" val="0"/>
+              </a:ext>
+            </a:extLst>
+          </a:blip>
+          <a:stretch>
+            <a:fillRect/>
+          </a:stretch>
+        </p:blipFill>
+        <p:spPr>
+          <a:xfrm>
+            <a:off x="1657350" y="2431439"/>
+            <a:ext cx="6172200" cy="4114800"/>
+          </a:xfrm>
+          <a:prstGeom prst="rect">
+            <a:avLst/>
+          </a:prstGeom>
+        </p:spPr>
+      </p:pic>
     </p:spTree>
     <p:extLst>
       <p:ext uri="{BB962C8B-B14F-4D97-AF65-F5344CB8AC3E}">

--- a/Presentation and Analysis/US Housing Market Analysis_Draft_1-18-2020.pptx
+++ b/Presentation and Analysis/US Housing Market Analysis_Draft_1-18-2020.pptx
@@ -1981,7 +1981,7 @@
         <a:p>
           <a:r>
             <a:rPr lang="en-US" dirty="0"/>
-            <a:t>Median housing prices steadily increased nationwide starting around 2011-2012</a:t>
+            <a:t>Median prices sales prices for homes steadily increased nationwide starting around 2011-2012</a:t>
           </a:r>
         </a:p>
       </dgm:t>
@@ -3892,7 +3892,7 @@
           </a:pPr>
           <a:r>
             <a:rPr lang="en-US" sz="1400" kern="1200" dirty="0"/>
-            <a:t>Median housing prices steadily increased nationwide starting around 2011-2012</a:t>
+            <a:t>Median prices sales prices for homes steadily increased nationwide starting around 2011-2012</a:t>
           </a:r>
         </a:p>
         <a:p>
@@ -12417,8 +12417,8 @@
         </p:nvSpPr>
         <p:spPr bwMode="auto">
           <a:xfrm>
-            <a:off x="1330325" y="1587952"/>
-            <a:ext cx="6826250" cy="843487"/>
+            <a:off x="924408" y="1587952"/>
+            <a:ext cx="7295184" cy="843487"/>
           </a:xfrm>
           <a:prstGeom prst="rect">
             <a:avLst/>
@@ -19611,7 +19611,7 @@
             <p:ph idx="1"/>
             <p:extLst>
               <p:ext uri="{D42A27DB-BD31-4B8C-83A1-F6EECF244321}">
-                <p14:modId xmlns:p14="http://schemas.microsoft.com/office/powerpoint/2010/main" val="3740863412"/>
+                <p14:modId xmlns:p14="http://schemas.microsoft.com/office/powerpoint/2010/main" val="2958056175"/>
               </p:ext>
             </p:extLst>
           </p:nvPr>
@@ -20702,7 +20702,7 @@
                 </a:solidFill>
                 <a:latin typeface="Arial" panose="020B0604020202020204" pitchFamily="34" charset="0"/>
               </a:rPr>
-              <a:t>What consumer/market variables affected median housing prices since 2008?</a:t>
+              <a:t>What consumer/market variables affected median sales prices for homes since 2008?</a:t>
             </a:r>
           </a:p>
           <a:p>
